--- a/ApplyingToEEBWebinarPoster.pptx
+++ b/ApplyingToEEBWebinarPoster.pptx
@@ -104,6 +104,11 @@
       </a:defRPr>
     </a:lvl9pPr>
   </p:defaultTextStyle>
+  <p:extLst>
+    <p:ext uri="{EFAFB233-063F-42B5-8137-9DF3F51BA10A}">
+      <p15:sldGuideLst xmlns:p15="http://schemas.microsoft.com/office/powerpoint/2012/main"/>
+    </p:ext>
+  </p:extLst>
 </p:presentation>
 </file>
 
@@ -3116,7 +3121,7 @@
         <p:spPr>
           <a:xfrm>
             <a:off x="214532" y="3501065"/>
-            <a:ext cx="6428936" cy="5262979"/>
+            <a:ext cx="6428936" cy="5539978"/>
           </a:xfrm>
           <a:prstGeom prst="rect">
             <a:avLst/>
@@ -3274,7 +3279,7 @@
               <a:rPr lang="en-US" dirty="0">
                 <a:latin typeface="Garamond" panose="02020404030301010803" pitchFamily="18" charset="0"/>
               </a:rPr>
-              <a:t>, both long-serving members of an EEB graduate admissions committee. There will be a presentation followed by Q&amp;A.</a:t>
+              <a:t>, both long-serving members of the U. of Tennessee, Knoxville, EEB graduate admissions committee. There will be a presentation followed by Q&amp;A.</a:t>
             </a:r>
           </a:p>
           <a:p>
